--- a/Final Presentation.pptx
+++ b/Final Presentation.pptx
@@ -3809,7 +3809,7 @@
 </file>
 
 <file path=ppt/slides/slide12.xml><?xml version="1.0" encoding="utf-8"?>
-<p:sld xmlns:p="http://schemas.openxmlformats.org/presentationml/2006/main" xmlns:a="http://schemas.openxmlformats.org/drawingml/2006/main">
+<p:sld xmlns:p="http://schemas.openxmlformats.org/presentationml/2006/main" xmlns:a="http://schemas.openxmlformats.org/drawingml/2006/main" xmlns:r="http://schemas.openxmlformats.org/officeDocument/2006/relationships">
   <p:cSld>
     <p:bg>
       <p:bgPr>
@@ -4047,7 +4047,7 @@
                 <a:cs typeface="Quicksand"/>
                 <a:sym typeface="Quicksand"/>
               </a:rPr>
-              <a:t>One Big Loop</a:t>
+              <a:t>The Biggest Loop to test edge case</a:t>
             </a:r>
           </a:p>
         </p:txBody>
@@ -4136,6 +4136,51 @@
                 <a:sym typeface="Quicksand"/>
               </a:rPr>
               <a:t>One Instruction Loop to test edge cases</a:t>
+            </a:r>
+          </a:p>
+        </p:txBody>
+      </p:sp>
+      <p:sp>
+        <p:nvSpPr>
+          <p:cNvPr name="TextBox 9" id="9"/>
+          <p:cNvSpPr txBox="true"/>
+          <p:nvPr/>
+        </p:nvSpPr>
+        <p:spPr>
+          <a:xfrm rot="0">
+            <a:off x="7467023" y="8899402"/>
+            <a:ext cx="10158832" cy="717795"/>
+          </a:xfrm>
+          <a:prstGeom prst="rect">
+            <a:avLst/>
+          </a:prstGeom>
+        </p:spPr>
+        <p:txBody>
+          <a:bodyPr anchor="t" rtlCol="false" tIns="0" lIns="0" bIns="0" rIns="0">
+            <a:spAutoFit/>
+          </a:bodyPr>
+          <a:lstStyle/>
+          <a:p>
+            <a:pPr algn="ctr">
+              <a:lnSpc>
+                <a:spcPts val="5651"/>
+              </a:lnSpc>
+              <a:spcBef>
+                <a:spcPct val="0"/>
+              </a:spcBef>
+            </a:pPr>
+            <a:r>
+              <a:rPr lang="en-US" sz="4709" spc="-117" u="sng">
+                <a:solidFill>
+                  <a:srgbClr val="272727"/>
+                </a:solidFill>
+                <a:latin typeface="Shrikhand"/>
+                <a:ea typeface="Shrikhand"/>
+                <a:cs typeface="Shrikhand"/>
+                <a:sym typeface="Shrikhand"/>
+                <a:hlinkClick r:id="rId2" tooltip="https://riscvasm.lucasteske.dev"/>
+              </a:rPr>
+              <a:t>Link for writing assembly code</a:t>
             </a:r>
           </a:p>
         </p:txBody>
@@ -4559,7 +4604,7 @@
         <p:spPr>
           <a:xfrm rot="0">
             <a:off x="2059164" y="5530252"/>
-            <a:ext cx="14169672" cy="1214451"/>
+            <a:ext cx="14169672" cy="2451004"/>
           </a:xfrm>
           <a:prstGeom prst="rect">
             <a:avLst/>
@@ -4589,7 +4634,7 @@
                 <a:cs typeface="Quicksand Bold"/>
                 <a:sym typeface="Quicksand Bold"/>
               </a:rPr>
-              <a:t>To solve this we started reading from 4 instructions later. This way we start from the beggining of the loop.</a:t>
+              <a:t>Because of branch misprediction and the flush that it produces we store 4 wrong instruction in the bram. To solve this we started reading from 4 instructions later. This way we start from the beggining of the loop.</a:t>
             </a:r>
           </a:p>
         </p:txBody>
@@ -7272,7 +7317,7 @@
         </p:nvSpPr>
         <p:spPr>
           <a:xfrm flipH="false" flipV="false" rot="0">
-            <a:off x="6645491" y="4251173"/>
+            <a:off x="6664541" y="4251173"/>
             <a:ext cx="1581150" cy="629585"/>
           </a:xfrm>
           <a:custGeom>
@@ -7355,7 +7400,7 @@
                 <a:cs typeface="Quicksand Medium"/>
                 <a:sym typeface="Quicksand Medium"/>
               </a:rPr>
-              <a:t>Responsible to source the later pipeline stages with stored tight loops to be more cycle and power efficient</a:t>
+              <a:t>Responsible to source the later pipeline stages with stored small loops to be more cycle and power efficient</a:t>
             </a:r>
           </a:p>
           <a:p>
